--- a/papers/Case2016/pictures/pdf/PosControl.pptx
+++ b/papers/Case2016/pictures/pdf/PosControl.pptx
@@ -288,7 +288,7 @@
           <a:p>
             <a:fld id="{762ED1EE-8333-1B4F-94C1-B5AD75C03761}" type="datetimeFigureOut">
               <a:rPr lang="en-US" smtClean="0"/>
-              <a:t>3/19/16</a:t>
+              <a:t>3/22/16</a:t>
             </a:fld>
             <a:endParaRPr lang="en-US"/>
           </a:p>
@@ -458,7 +458,7 @@
           <a:p>
             <a:fld id="{762ED1EE-8333-1B4F-94C1-B5AD75C03761}" type="datetimeFigureOut">
               <a:rPr lang="en-US" smtClean="0"/>
-              <a:t>3/19/16</a:t>
+              <a:t>3/22/16</a:t>
             </a:fld>
             <a:endParaRPr lang="en-US"/>
           </a:p>
@@ -638,7 +638,7 @@
           <a:p>
             <a:fld id="{762ED1EE-8333-1B4F-94C1-B5AD75C03761}" type="datetimeFigureOut">
               <a:rPr lang="en-US" smtClean="0"/>
-              <a:t>3/19/16</a:t>
+              <a:t>3/22/16</a:t>
             </a:fld>
             <a:endParaRPr lang="en-US"/>
           </a:p>
@@ -808,7 +808,7 @@
           <a:p>
             <a:fld id="{762ED1EE-8333-1B4F-94C1-B5AD75C03761}" type="datetimeFigureOut">
               <a:rPr lang="en-US" smtClean="0"/>
-              <a:t>3/19/16</a:t>
+              <a:t>3/22/16</a:t>
             </a:fld>
             <a:endParaRPr lang="en-US"/>
           </a:p>
@@ -1054,7 +1054,7 @@
           <a:p>
             <a:fld id="{762ED1EE-8333-1B4F-94C1-B5AD75C03761}" type="datetimeFigureOut">
               <a:rPr lang="en-US" smtClean="0"/>
-              <a:t>3/19/16</a:t>
+              <a:t>3/22/16</a:t>
             </a:fld>
             <a:endParaRPr lang="en-US"/>
           </a:p>
@@ -1342,7 +1342,7 @@
           <a:p>
             <a:fld id="{762ED1EE-8333-1B4F-94C1-B5AD75C03761}" type="datetimeFigureOut">
               <a:rPr lang="en-US" smtClean="0"/>
-              <a:t>3/19/16</a:t>
+              <a:t>3/22/16</a:t>
             </a:fld>
             <a:endParaRPr lang="en-US"/>
           </a:p>
@@ -1764,7 +1764,7 @@
           <a:p>
             <a:fld id="{762ED1EE-8333-1B4F-94C1-B5AD75C03761}" type="datetimeFigureOut">
               <a:rPr lang="en-US" smtClean="0"/>
-              <a:t>3/19/16</a:t>
+              <a:t>3/22/16</a:t>
             </a:fld>
             <a:endParaRPr lang="en-US"/>
           </a:p>
@@ -1882,7 +1882,7 @@
           <a:p>
             <a:fld id="{762ED1EE-8333-1B4F-94C1-B5AD75C03761}" type="datetimeFigureOut">
               <a:rPr lang="en-US" smtClean="0"/>
-              <a:t>3/19/16</a:t>
+              <a:t>3/22/16</a:t>
             </a:fld>
             <a:endParaRPr lang="en-US"/>
           </a:p>
@@ -1977,7 +1977,7 @@
           <a:p>
             <a:fld id="{762ED1EE-8333-1B4F-94C1-B5AD75C03761}" type="datetimeFigureOut">
               <a:rPr lang="en-US" smtClean="0"/>
-              <a:t>3/19/16</a:t>
+              <a:t>3/22/16</a:t>
             </a:fld>
             <a:endParaRPr lang="en-US"/>
           </a:p>
@@ -2254,7 +2254,7 @@
           <a:p>
             <a:fld id="{762ED1EE-8333-1B4F-94C1-B5AD75C03761}" type="datetimeFigureOut">
               <a:rPr lang="en-US" smtClean="0"/>
-              <a:t>3/19/16</a:t>
+              <a:t>3/22/16</a:t>
             </a:fld>
             <a:endParaRPr lang="en-US"/>
           </a:p>
@@ -2507,7 +2507,7 @@
           <a:p>
             <a:fld id="{762ED1EE-8333-1B4F-94C1-B5AD75C03761}" type="datetimeFigureOut">
               <a:rPr lang="en-US" smtClean="0"/>
-              <a:t>3/19/16</a:t>
+              <a:t>3/22/16</a:t>
             </a:fld>
             <a:endParaRPr lang="en-US"/>
           </a:p>
@@ -2720,7 +2720,7 @@
           <a:p>
             <a:fld id="{762ED1EE-8333-1B4F-94C1-B5AD75C03761}" type="datetimeFigureOut">
               <a:rPr lang="en-US" smtClean="0"/>
-              <a:t>3/19/16</a:t>
+              <a:t>3/22/16</a:t>
             </a:fld>
             <a:endParaRPr lang="en-US"/>
           </a:p>
@@ -3104,10 +3104,10 @@
           <p:nvPr/>
         </p:nvPicPr>
         <p:blipFill>
-          <a:blip r:embed="rId2">
+          <a:blip r:embed="rId2" cstate="screen">
             <a:extLst>
               <a:ext uri="{28A0092B-C50C-407E-A947-70E740481C1C}">
-                <a14:useLocalDpi xmlns:a14="http://schemas.microsoft.com/office/drawing/2010/main" val="0"/>
+                <a14:useLocalDpi xmlns:a14="http://schemas.microsoft.com/office/drawing/2010/main"/>
               </a:ext>
             </a:extLst>
           </a:blip>
@@ -3134,10 +3134,10 @@
           <p:nvPr/>
         </p:nvPicPr>
         <p:blipFill>
-          <a:blip r:embed="rId3">
+          <a:blip r:embed="rId3" cstate="screen">
             <a:extLst>
               <a:ext uri="{28A0092B-C50C-407E-A947-70E740481C1C}">
-                <a14:useLocalDpi xmlns:a14="http://schemas.microsoft.com/office/drawing/2010/main" val="0"/>
+                <a14:useLocalDpi xmlns:a14="http://schemas.microsoft.com/office/drawing/2010/main"/>
               </a:ext>
             </a:extLst>
           </a:blip>
@@ -3164,10 +3164,10 @@
           <p:nvPr/>
         </p:nvPicPr>
         <p:blipFill>
-          <a:blip r:embed="rId4">
+          <a:blip r:embed="rId4" cstate="screen">
             <a:extLst>
               <a:ext uri="{28A0092B-C50C-407E-A947-70E740481C1C}">
-                <a14:useLocalDpi xmlns:a14="http://schemas.microsoft.com/office/drawing/2010/main" val="0"/>
+                <a14:useLocalDpi xmlns:a14="http://schemas.microsoft.com/office/drawing/2010/main"/>
               </a:ext>
             </a:extLst>
           </a:blip>
@@ -3194,10 +3194,10 @@
           <p:nvPr/>
         </p:nvPicPr>
         <p:blipFill>
-          <a:blip r:embed="rId5">
+          <a:blip r:embed="rId5" cstate="screen">
             <a:extLst>
               <a:ext uri="{28A0092B-C50C-407E-A947-70E740481C1C}">
-                <a14:useLocalDpi xmlns:a14="http://schemas.microsoft.com/office/drawing/2010/main" val="0"/>
+                <a14:useLocalDpi xmlns:a14="http://schemas.microsoft.com/office/drawing/2010/main"/>
               </a:ext>
             </a:extLst>
           </a:blip>
@@ -3224,10 +3224,10 @@
           <p:nvPr/>
         </p:nvPicPr>
         <p:blipFill>
-          <a:blip r:embed="rId6">
+          <a:blip r:embed="rId6" cstate="screen">
             <a:extLst>
               <a:ext uri="{28A0092B-C50C-407E-A947-70E740481C1C}">
-                <a14:useLocalDpi xmlns:a14="http://schemas.microsoft.com/office/drawing/2010/main" val="0"/>
+                <a14:useLocalDpi xmlns:a14="http://schemas.microsoft.com/office/drawing/2010/main"/>
               </a:ext>
             </a:extLst>
           </a:blip>
@@ -3434,21 +3434,8 @@
                     <a:srgbClr val="000000"/>
                   </a:solidFill>
                 </a:rPr>
-                <a:t>Current Goal </a:t>
+                <a:t>Current Goal Angle  </a:t>
               </a:r>
-              <a:r>
-                <a:rPr lang="en-US" sz="1100" dirty="0" smtClean="0">
-                  <a:solidFill>
-                    <a:srgbClr val="000000"/>
-                  </a:solidFill>
-                </a:rPr>
-                <a:t>Angle  </a:t>
-              </a:r>
-              <a:endParaRPr lang="en-US" sz="1100" dirty="0" smtClean="0">
-                <a:solidFill>
-                  <a:srgbClr val="000000"/>
-                </a:solidFill>
-              </a:endParaRPr>
             </a:p>
             <a:p>
               <a:r>
@@ -3457,15 +3444,7 @@
                     <a:srgbClr val="000000"/>
                   </a:solidFill>
                 </a:rPr>
-                <a:t>Final Goal Angle</a:t>
-              </a:r>
-              <a:r>
-                <a:rPr lang="en-US" sz="1100" dirty="0" smtClean="0">
-                  <a:solidFill>
-                    <a:srgbClr val="000000"/>
-                  </a:solidFill>
-                </a:rPr>
-                <a:t>   </a:t>
+                <a:t>Final Goal Angle   </a:t>
               </a:r>
               <a:endParaRPr lang="en-US" sz="1100" dirty="0">
                 <a:solidFill>
